--- a/Ki és bemeneti eszköz használat.pptx
+++ b/Ki és bemeneti eszköz használat.pptx
@@ -6,9 +6,10 @@
   </p:sldMasterIdLst>
   <p:sldIdLst>
     <p:sldId id="256" r:id="rId2"/>
-    <p:sldId id="257" r:id="rId3"/>
-    <p:sldId id="258" r:id="rId4"/>
-    <p:sldId id="259" r:id="rId5"/>
+    <p:sldId id="260" r:id="rId3"/>
+    <p:sldId id="257" r:id="rId4"/>
+    <p:sldId id="258" r:id="rId5"/>
+    <p:sldId id="259" r:id="rId6"/>
   </p:sldIdLst>
   <p:sldSz cx="12192000" cy="6858000"/>
   <p:notesSz cx="6858000" cy="9144000"/>
@@ -246,7 +247,7 @@
           <a:p>
             <a:fld id="{EFE414EE-079C-4027-9FB0-D02C2D34806D}" type="datetimeFigureOut">
               <a:rPr lang="hu-HU" smtClean="0"/>
-              <a:t>2024. 10. 11.</a:t>
+              <a:t>2025. 05. 21.</a:t>
             </a:fld>
             <a:endParaRPr lang="hu-HU"/>
           </a:p>
@@ -416,7 +417,7 @@
           <a:p>
             <a:fld id="{EFE414EE-079C-4027-9FB0-D02C2D34806D}" type="datetimeFigureOut">
               <a:rPr lang="hu-HU" smtClean="0"/>
-              <a:t>2024. 10. 11.</a:t>
+              <a:t>2025. 05. 21.</a:t>
             </a:fld>
             <a:endParaRPr lang="hu-HU"/>
           </a:p>
@@ -596,7 +597,7 @@
           <a:p>
             <a:fld id="{EFE414EE-079C-4027-9FB0-D02C2D34806D}" type="datetimeFigureOut">
               <a:rPr lang="hu-HU" smtClean="0"/>
-              <a:t>2024. 10. 11.</a:t>
+              <a:t>2025. 05. 21.</a:t>
             </a:fld>
             <a:endParaRPr lang="hu-HU"/>
           </a:p>
@@ -766,7 +767,7 @@
           <a:p>
             <a:fld id="{EFE414EE-079C-4027-9FB0-D02C2D34806D}" type="datetimeFigureOut">
               <a:rPr lang="hu-HU" smtClean="0"/>
-              <a:t>2024. 10. 11.</a:t>
+              <a:t>2025. 05. 21.</a:t>
             </a:fld>
             <a:endParaRPr lang="hu-HU"/>
           </a:p>
@@ -1012,7 +1013,7 @@
           <a:p>
             <a:fld id="{EFE414EE-079C-4027-9FB0-D02C2D34806D}" type="datetimeFigureOut">
               <a:rPr lang="hu-HU" smtClean="0"/>
-              <a:t>2024. 10. 11.</a:t>
+              <a:t>2025. 05. 21.</a:t>
             </a:fld>
             <a:endParaRPr lang="hu-HU"/>
           </a:p>
@@ -1244,7 +1245,7 @@
           <a:p>
             <a:fld id="{EFE414EE-079C-4027-9FB0-D02C2D34806D}" type="datetimeFigureOut">
               <a:rPr lang="hu-HU" smtClean="0"/>
-              <a:t>2024. 10. 11.</a:t>
+              <a:t>2025. 05. 21.</a:t>
             </a:fld>
             <a:endParaRPr lang="hu-HU"/>
           </a:p>
@@ -1611,7 +1612,7 @@
           <a:p>
             <a:fld id="{EFE414EE-079C-4027-9FB0-D02C2D34806D}" type="datetimeFigureOut">
               <a:rPr lang="hu-HU" smtClean="0"/>
-              <a:t>2024. 10. 11.</a:t>
+              <a:t>2025. 05. 21.</a:t>
             </a:fld>
             <a:endParaRPr lang="hu-HU"/>
           </a:p>
@@ -1729,7 +1730,7 @@
           <a:p>
             <a:fld id="{EFE414EE-079C-4027-9FB0-D02C2D34806D}" type="datetimeFigureOut">
               <a:rPr lang="hu-HU" smtClean="0"/>
-              <a:t>2024. 10. 11.</a:t>
+              <a:t>2025. 05. 21.</a:t>
             </a:fld>
             <a:endParaRPr lang="hu-HU"/>
           </a:p>
@@ -1824,7 +1825,7 @@
           <a:p>
             <a:fld id="{EFE414EE-079C-4027-9FB0-D02C2D34806D}" type="datetimeFigureOut">
               <a:rPr lang="hu-HU" smtClean="0"/>
-              <a:t>2024. 10. 11.</a:t>
+              <a:t>2025. 05. 21.</a:t>
             </a:fld>
             <a:endParaRPr lang="hu-HU"/>
           </a:p>
@@ -2101,7 +2102,7 @@
           <a:p>
             <a:fld id="{EFE414EE-079C-4027-9FB0-D02C2D34806D}" type="datetimeFigureOut">
               <a:rPr lang="hu-HU" smtClean="0"/>
-              <a:t>2024. 10. 11.</a:t>
+              <a:t>2025. 05. 21.</a:t>
             </a:fld>
             <a:endParaRPr lang="hu-HU"/>
           </a:p>
@@ -2354,7 +2355,7 @@
           <a:p>
             <a:fld id="{EFE414EE-079C-4027-9FB0-D02C2D34806D}" type="datetimeFigureOut">
               <a:rPr lang="hu-HU" smtClean="0"/>
-              <a:t>2024. 10. 11.</a:t>
+              <a:t>2025. 05. 21.</a:t>
             </a:fld>
             <a:endParaRPr lang="hu-HU"/>
           </a:p>
@@ -2595,7 +2596,7 @@
           <a:p>
             <a:fld id="{EFE414EE-079C-4027-9FB0-D02C2D34806D}" type="datetimeFigureOut">
               <a:rPr lang="hu-HU" smtClean="0"/>
-              <a:t>2024. 10. 11.</a:t>
+              <a:t>2025. 05. 21.</a:t>
             </a:fld>
             <a:endParaRPr lang="hu-HU"/>
           </a:p>
@@ -3101,6 +3102,78 @@
           <a:bodyPr/>
           <a:lstStyle/>
           <a:p>
+            <a:endParaRPr lang="hu-HU"/>
+          </a:p>
+        </p:txBody>
+      </p:sp>
+      <p:sp>
+        <p:nvSpPr>
+          <p:cNvPr id="3" name="Tartalom helye 2"/>
+          <p:cNvSpPr>
+            <a:spLocks noGrp="1"/>
+          </p:cNvSpPr>
+          <p:nvPr>
+            <p:ph idx="1"/>
+          </p:nvPr>
+        </p:nvSpPr>
+        <p:spPr/>
+        <p:txBody>
+          <a:bodyPr/>
+          <a:lstStyle/>
+          <a:p>
+            <a:r>
+              <a:rPr lang="hu-HU" smtClean="0"/>
+              <a:t>fhihfpeihfűpeihfűpihefűpihpihgűp</a:t>
+            </a:r>
+            <a:endParaRPr lang="hu-HU"/>
+          </a:p>
+        </p:txBody>
+      </p:sp>
+    </p:spTree>
+    <p:extLst>
+      <p:ext uri="{BB962C8B-B14F-4D97-AF65-F5344CB8AC3E}">
+        <p14:creationId xmlns:p14="http://schemas.microsoft.com/office/powerpoint/2010/main" val="2483041867"/>
+      </p:ext>
+    </p:extLst>
+  </p:cSld>
+  <p:clrMapOvr>
+    <a:masterClrMapping/>
+  </p:clrMapOvr>
+</p:sld>
+</file>
+
+<file path=ppt/slides/slide3.xml><?xml version="1.0" encoding="utf-8"?>
+<p:sld xmlns:a="http://schemas.openxmlformats.org/drawingml/2006/main" xmlns:r="http://schemas.openxmlformats.org/officeDocument/2006/relationships" xmlns:p="http://schemas.openxmlformats.org/presentationml/2006/main">
+  <p:cSld>
+    <p:spTree>
+      <p:nvGrpSpPr>
+        <p:cNvPr id="1" name=""/>
+        <p:cNvGrpSpPr/>
+        <p:nvPr/>
+      </p:nvGrpSpPr>
+      <p:grpSpPr>
+        <a:xfrm>
+          <a:off x="0" y="0"/>
+          <a:ext cx="0" cy="0"/>
+          <a:chOff x="0" y="0"/>
+          <a:chExt cx="0" cy="0"/>
+        </a:xfrm>
+      </p:grpSpPr>
+      <p:sp>
+        <p:nvSpPr>
+          <p:cNvPr id="2" name="Cím 1"/>
+          <p:cNvSpPr>
+            <a:spLocks noGrp="1"/>
+          </p:cNvSpPr>
+          <p:nvPr>
+            <p:ph type="title"/>
+          </p:nvPr>
+        </p:nvSpPr>
+        <p:spPr/>
+        <p:txBody>
+          <a:bodyPr/>
+          <a:lstStyle/>
+          <a:p>
             <a:r>
               <a:rPr lang="hu-HU" dirty="0" smtClean="0"/>
               <a:t>Eszközök:</a:t>
@@ -3207,7 +3280,7 @@
 </p:sld>
 </file>
 
-<file path=ppt/slides/slide3.xml><?xml version="1.0" encoding="utf-8"?>
+<file path=ppt/slides/slide4.xml><?xml version="1.0" encoding="utf-8"?>
 <p:sld xmlns:a="http://schemas.openxmlformats.org/drawingml/2006/main" xmlns:r="http://schemas.openxmlformats.org/officeDocument/2006/relationships" xmlns:p="http://schemas.openxmlformats.org/presentationml/2006/main">
   <p:cSld>
     <p:spTree>
@@ -3302,7 +3375,7 @@
 </p:sld>
 </file>
 
-<file path=ppt/slides/slide4.xml><?xml version="1.0" encoding="utf-8"?>
+<file path=ppt/slides/slide5.xml><?xml version="1.0" encoding="utf-8"?>
 <p:sld xmlns:a="http://schemas.openxmlformats.org/drawingml/2006/main" xmlns:r="http://schemas.openxmlformats.org/officeDocument/2006/relationships" xmlns:p="http://schemas.openxmlformats.org/presentationml/2006/main">
   <p:cSld>
     <p:spTree>
